--- a/Presenation/586Final Project.pptx
+++ b/Presenation/586Final Project.pptx
@@ -18,6 +18,10 @@
     <p:sldId id="263" r:id="rId15"/>
     <p:sldId id="264" r:id="rId16"/>
     <p:sldId id="265" r:id="rId17"/>
+    <p:sldId id="266" r:id="rId18"/>
+    <p:sldId id="267" r:id="rId19"/>
+    <p:sldId id="268" r:id="rId20"/>
+    <p:sldId id="269" r:id="rId21"/>
   </p:sldIdLst>
   <p:sldSz cx="13004800" cy="9753600"/>
   <p:notesSz cx="6858000" cy="9144000"/>
@@ -3163,7 +3167,7 @@
         <p:spPr>
           <a:xfrm>
             <a:off x="5073953" y="2669619"/>
-            <a:ext cx="1322934" cy="812801"/>
+            <a:ext cx="1322935" cy="812801"/>
           </a:xfrm>
           <a:prstGeom prst="rect">
             <a:avLst/>
@@ -3209,8 +3213,8 @@
         </p:nvSpPr>
         <p:spPr>
           <a:xfrm>
-            <a:off x="6534176" y="2437891"/>
-            <a:ext cx="2223662" cy="1270001"/>
+            <a:off x="6534177" y="2437891"/>
+            <a:ext cx="2223661" cy="1270001"/>
           </a:xfrm>
           <a:custGeom>
             <a:avLst/>
@@ -3303,8 +3307,8 @@
         </p:nvSpPr>
         <p:spPr>
           <a:xfrm>
-            <a:off x="6534176" y="3935448"/>
-            <a:ext cx="2223662" cy="1270001"/>
+            <a:off x="6534177" y="3935448"/>
+            <a:ext cx="2223661" cy="1270001"/>
           </a:xfrm>
           <a:custGeom>
             <a:avLst/>
@@ -3397,8 +3401,8 @@
         </p:nvSpPr>
         <p:spPr>
           <a:xfrm>
-            <a:off x="6534176" y="5432570"/>
-            <a:ext cx="2223662" cy="1270001"/>
+            <a:off x="6534177" y="5432570"/>
+            <a:ext cx="2223661" cy="1270001"/>
           </a:xfrm>
           <a:custGeom>
             <a:avLst/>
@@ -3491,8 +3495,8 @@
         </p:nvSpPr>
         <p:spPr>
           <a:xfrm>
-            <a:off x="6534176" y="6928563"/>
-            <a:ext cx="2223662" cy="1270001"/>
+            <a:off x="6534177" y="6928563"/>
+            <a:ext cx="2223661" cy="1270001"/>
           </a:xfrm>
           <a:custGeom>
             <a:avLst/>
@@ -3726,7 +3730,7 @@
         </p:nvSpPr>
         <p:spPr>
           <a:xfrm>
-            <a:off x="6862538" y="7157163"/>
+            <a:off x="6862539" y="7157163"/>
             <a:ext cx="1566938" cy="812801"/>
           </a:xfrm>
           <a:prstGeom prst="rect">
@@ -3869,8 +3873,8 @@
         </p:nvSpPr>
         <p:spPr>
           <a:xfrm>
-            <a:off x="6296007" y="3646931"/>
-            <a:ext cx="388885" cy="2105757"/>
+            <a:off x="6296007" y="3646930"/>
+            <a:ext cx="388885" cy="2105758"/>
           </a:xfrm>
           <a:prstGeom prst="line">
             <a:avLst/>
@@ -3933,8 +3937,8 @@
         </p:nvSpPr>
         <p:spPr>
           <a:xfrm>
-            <a:off x="6304680" y="3133888"/>
-            <a:ext cx="268771" cy="1"/>
+            <a:off x="6304679" y="3133888"/>
+            <a:ext cx="268772" cy="1"/>
           </a:xfrm>
           <a:prstGeom prst="line">
             <a:avLst/>
@@ -3965,7 +3969,7 @@
         </p:nvSpPr>
         <p:spPr>
           <a:xfrm>
-            <a:off x="9153732" y="2498888"/>
+            <a:off x="9153731" y="2498888"/>
             <a:ext cx="1496840" cy="1270001"/>
           </a:xfrm>
           <a:prstGeom prst="rect">
@@ -4014,7 +4018,7 @@
         </p:nvSpPr>
         <p:spPr>
           <a:xfrm>
-            <a:off x="9153732" y="2727488"/>
+            <a:off x="9153731" y="2727488"/>
             <a:ext cx="1496840" cy="812801"/>
           </a:xfrm>
           <a:prstGeom prst="rect">
@@ -4061,7 +4065,7 @@
         </p:nvSpPr>
         <p:spPr>
           <a:xfrm>
-            <a:off x="10045689" y="4063656"/>
+            <a:off x="10045689" y="4063655"/>
             <a:ext cx="2223662" cy="1270001"/>
           </a:xfrm>
           <a:custGeom>
@@ -4155,8 +4159,8 @@
         </p:nvSpPr>
         <p:spPr>
           <a:xfrm>
-            <a:off x="10569165" y="4292256"/>
-            <a:ext cx="1176710" cy="812801"/>
+            <a:off x="10569164" y="4292256"/>
+            <a:ext cx="1176711" cy="812801"/>
           </a:xfrm>
           <a:prstGeom prst="rect">
             <a:avLst/>
@@ -4203,7 +4207,7 @@
         <p:spPr>
           <a:xfrm>
             <a:off x="6440352" y="3481260"/>
-            <a:ext cx="384362" cy="619324"/>
+            <a:ext cx="384362" cy="619325"/>
           </a:xfrm>
           <a:prstGeom prst="line">
             <a:avLst/>
@@ -4677,6 +4681,440 @@
 </p:sld>
 </file>
 
+<file path=ppt/slides/slide11.xml><?xml version="1.0" encoding="utf-8"?>
+<p:sld xmlns:a="http://schemas.openxmlformats.org/drawingml/2006/main" xmlns:r="http://schemas.openxmlformats.org/officeDocument/2006/relationships" xmlns:p="http://schemas.openxmlformats.org/presentationml/2006/main" showMasterSp="1" showMasterPhAnim="1">
+  <p:cSld>
+    <p:spTree>
+      <p:nvGrpSpPr>
+        <p:cNvPr id="1" name=""/>
+        <p:cNvGrpSpPr/>
+        <p:nvPr/>
+      </p:nvGrpSpPr>
+      <p:grpSpPr>
+        <a:xfrm>
+          <a:off x="0" y="0"/>
+          <a:ext cx="0" cy="0"/>
+          <a:chOff x="0" y="0"/>
+          <a:chExt cx="0" cy="0"/>
+        </a:xfrm>
+      </p:grpSpPr>
+      <p:sp>
+        <p:nvSpPr>
+          <p:cNvPr id="141" name="Shape 141"/>
+          <p:cNvSpPr/>
+          <p:nvPr>
+            <p:ph type="title"/>
+          </p:nvPr>
+        </p:nvSpPr>
+        <p:spPr>
+          <a:prstGeom prst="rect">
+            <a:avLst/>
+          </a:prstGeom>
+        </p:spPr>
+        <p:txBody>
+          <a:bodyPr/>
+          <a:lstStyle/>
+          <a:p>
+            <a:pPr lvl="0">
+              <a:defRPr sz="1800">
+                <a:solidFill>
+                  <a:srgbClr val="000000"/>
+                </a:solidFill>
+              </a:defRPr>
+            </a:pPr>
+            <a:r>
+              <a:rPr sz="7200">
+                <a:solidFill>
+                  <a:srgbClr val="3E231A"/>
+                </a:solidFill>
+              </a:rPr>
+              <a:t>Data Modeling</a:t>
+            </a:r>
+          </a:p>
+        </p:txBody>
+      </p:sp>
+      <p:pic>
+        <p:nvPicPr>
+          <p:cNvPr id="142" name="Screen Shot 2015-04-13 at 6.40.17 PM.png"/>
+          <p:cNvPicPr/>
+          <p:nvPr/>
+        </p:nvPicPr>
+        <p:blipFill>
+          <a:blip r:embed="rId2">
+            <a:extLst/>
+          </a:blip>
+          <a:stretch>
+            <a:fillRect/>
+          </a:stretch>
+        </p:blipFill>
+        <p:spPr>
+          <a:xfrm>
+            <a:off x="1902607" y="2359872"/>
+            <a:ext cx="9395644" cy="6789894"/>
+          </a:xfrm>
+          <a:prstGeom prst="rect">
+            <a:avLst/>
+          </a:prstGeom>
+          <a:ln w="12700">
+            <a:miter lim="400000"/>
+          </a:ln>
+        </p:spPr>
+      </p:pic>
+    </p:spTree>
+  </p:cSld>
+  <p:clrMapOvr>
+    <a:masterClrMapping/>
+  </p:clrMapOvr>
+  <p:transition spd="med" advClick="1"/>
+</p:sld>
+</file>
+
+<file path=ppt/slides/slide12.xml><?xml version="1.0" encoding="utf-8"?>
+<p:sld xmlns:a="http://schemas.openxmlformats.org/drawingml/2006/main" xmlns:r="http://schemas.openxmlformats.org/officeDocument/2006/relationships" xmlns:p="http://schemas.openxmlformats.org/presentationml/2006/main" showMasterSp="1" showMasterPhAnim="1">
+  <p:cSld>
+    <p:spTree>
+      <p:nvGrpSpPr>
+        <p:cNvPr id="1" name=""/>
+        <p:cNvGrpSpPr/>
+        <p:nvPr/>
+      </p:nvGrpSpPr>
+      <p:grpSpPr>
+        <a:xfrm>
+          <a:off x="0" y="0"/>
+          <a:ext cx="0" cy="0"/>
+          <a:chOff x="0" y="0"/>
+          <a:chExt cx="0" cy="0"/>
+        </a:xfrm>
+      </p:grpSpPr>
+      <p:sp>
+        <p:nvSpPr>
+          <p:cNvPr id="144" name="Shape 144"/>
+          <p:cNvSpPr/>
+          <p:nvPr>
+            <p:ph type="title"/>
+          </p:nvPr>
+        </p:nvSpPr>
+        <p:spPr>
+          <a:prstGeom prst="rect">
+            <a:avLst/>
+          </a:prstGeom>
+        </p:spPr>
+        <p:txBody>
+          <a:bodyPr/>
+          <a:lstStyle/>
+          <a:p>
+            <a:pPr lvl="0">
+              <a:defRPr sz="1800">
+                <a:solidFill>
+                  <a:srgbClr val="000000"/>
+                </a:solidFill>
+              </a:defRPr>
+            </a:pPr>
+            <a:r>
+              <a:rPr sz="7200">
+                <a:solidFill>
+                  <a:srgbClr val="3E231A"/>
+                </a:solidFill>
+              </a:rPr>
+              <a:t>Data Modeling</a:t>
+            </a:r>
+          </a:p>
+        </p:txBody>
+      </p:sp>
+      <p:pic>
+        <p:nvPicPr>
+          <p:cNvPr id="145" name="Screen Shot 2015-04-13 at 6.48.42 PM.png"/>
+          <p:cNvPicPr/>
+          <p:nvPr/>
+        </p:nvPicPr>
+        <p:blipFill>
+          <a:blip r:embed="rId2">
+            <a:extLst/>
+          </a:blip>
+          <a:stretch>
+            <a:fillRect/>
+          </a:stretch>
+        </p:blipFill>
+        <p:spPr>
+          <a:xfrm>
+            <a:off x="924264" y="2433049"/>
+            <a:ext cx="11156272" cy="6459303"/>
+          </a:xfrm>
+          <a:prstGeom prst="rect">
+            <a:avLst/>
+          </a:prstGeom>
+          <a:ln w="12700">
+            <a:miter lim="400000"/>
+          </a:ln>
+        </p:spPr>
+      </p:pic>
+    </p:spTree>
+  </p:cSld>
+  <p:clrMapOvr>
+    <a:masterClrMapping/>
+  </p:clrMapOvr>
+  <p:transition spd="med" advClick="1"/>
+</p:sld>
+</file>
+
+<file path=ppt/slides/slide13.xml><?xml version="1.0" encoding="utf-8"?>
+<p:sld xmlns:a="http://schemas.openxmlformats.org/drawingml/2006/main" xmlns:r="http://schemas.openxmlformats.org/officeDocument/2006/relationships" xmlns:p="http://schemas.openxmlformats.org/presentationml/2006/main" showMasterSp="1" showMasterPhAnim="1">
+  <p:cSld>
+    <p:spTree>
+      <p:nvGrpSpPr>
+        <p:cNvPr id="1" name=""/>
+        <p:cNvGrpSpPr/>
+        <p:nvPr/>
+      </p:nvGrpSpPr>
+      <p:grpSpPr>
+        <a:xfrm>
+          <a:off x="0" y="0"/>
+          <a:ext cx="0" cy="0"/>
+          <a:chOff x="0" y="0"/>
+          <a:chExt cx="0" cy="0"/>
+        </a:xfrm>
+      </p:grpSpPr>
+      <p:sp>
+        <p:nvSpPr>
+          <p:cNvPr id="147" name="Shape 147"/>
+          <p:cNvSpPr/>
+          <p:nvPr>
+            <p:ph type="title"/>
+          </p:nvPr>
+        </p:nvSpPr>
+        <p:spPr>
+          <a:prstGeom prst="rect">
+            <a:avLst/>
+          </a:prstGeom>
+        </p:spPr>
+        <p:txBody>
+          <a:bodyPr/>
+          <a:lstStyle/>
+          <a:p>
+            <a:pPr lvl="0">
+              <a:defRPr sz="1800">
+                <a:solidFill>
+                  <a:srgbClr val="000000"/>
+                </a:solidFill>
+              </a:defRPr>
+            </a:pPr>
+            <a:r>
+              <a:rPr sz="7200">
+                <a:solidFill>
+                  <a:srgbClr val="3E231A"/>
+                </a:solidFill>
+              </a:rPr>
+              <a:t>Back-end</a:t>
+            </a:r>
+          </a:p>
+        </p:txBody>
+      </p:sp>
+      <p:sp>
+        <p:nvSpPr>
+          <p:cNvPr id="148" name="Shape 148"/>
+          <p:cNvSpPr/>
+          <p:nvPr>
+            <p:ph type="body" idx="1"/>
+          </p:nvPr>
+        </p:nvSpPr>
+        <p:spPr>
+          <a:prstGeom prst="rect">
+            <a:avLst/>
+          </a:prstGeom>
+        </p:spPr>
+        <p:txBody>
+          <a:bodyPr/>
+          <a:lstStyle/>
+          <a:p>
+            <a:pPr lvl="0">
+              <a:buBlip>
+                <a:blip r:embed="rId2"/>
+              </a:buBlip>
+              <a:defRPr sz="1800">
+                <a:solidFill>
+                  <a:srgbClr val="000000"/>
+                </a:solidFill>
+              </a:defRPr>
+            </a:pPr>
+            <a:r>
+              <a:rPr sz="3000">
+                <a:solidFill>
+                  <a:srgbClr val="3E231A"/>
+                </a:solidFill>
+              </a:rPr>
+              <a:t>Apache Tomcat</a:t>
+            </a:r>
+            <a:endParaRPr sz="3000">
+              <a:solidFill>
+                <a:srgbClr val="3E231A"/>
+              </a:solidFill>
+            </a:endParaRPr>
+          </a:p>
+          <a:p>
+            <a:pPr lvl="0">
+              <a:buBlip>
+                <a:blip r:embed="rId2"/>
+              </a:buBlip>
+              <a:defRPr sz="1800">
+                <a:solidFill>
+                  <a:srgbClr val="000000"/>
+                </a:solidFill>
+              </a:defRPr>
+            </a:pPr>
+            <a:r>
+              <a:rPr sz="3000">
+                <a:solidFill>
+                  <a:srgbClr val="3E231A"/>
+                </a:solidFill>
+              </a:rPr>
+              <a:t>Java Servlet</a:t>
+            </a:r>
+          </a:p>
+        </p:txBody>
+      </p:sp>
+      <p:pic>
+        <p:nvPicPr>
+          <p:cNvPr id="149" name=""/>
+          <p:cNvPicPr/>
+          <p:nvPr/>
+        </p:nvPicPr>
+        <p:blipFill>
+          <a:blip r:embed="rId3">
+            <a:extLst/>
+          </a:blip>
+          <a:stretch>
+            <a:fillRect/>
+          </a:stretch>
+        </p:blipFill>
+        <p:spPr>
+          <a:xfrm>
+            <a:off x="6485283" y="3029159"/>
+            <a:ext cx="5262999" cy="5231982"/>
+          </a:xfrm>
+          <a:prstGeom prst="rect">
+            <a:avLst/>
+          </a:prstGeom>
+        </p:spPr>
+      </p:pic>
+    </p:spTree>
+  </p:cSld>
+  <p:clrMapOvr>
+    <a:masterClrMapping/>
+  </p:clrMapOvr>
+  <p:transition spd="med" advClick="1"/>
+</p:sld>
+</file>
+
+<file path=ppt/slides/slide14.xml><?xml version="1.0" encoding="utf-8"?>
+<p:sld xmlns:a="http://schemas.openxmlformats.org/drawingml/2006/main" xmlns:r="http://schemas.openxmlformats.org/officeDocument/2006/relationships" xmlns:p="http://schemas.openxmlformats.org/presentationml/2006/main" showMasterSp="1" showMasterPhAnim="1">
+  <p:cSld>
+    <p:spTree>
+      <p:nvGrpSpPr>
+        <p:cNvPr id="1" name=""/>
+        <p:cNvGrpSpPr/>
+        <p:nvPr/>
+      </p:nvGrpSpPr>
+      <p:grpSpPr>
+        <a:xfrm>
+          <a:off x="0" y="0"/>
+          <a:ext cx="0" cy="0"/>
+          <a:chOff x="0" y="0"/>
+          <a:chExt cx="0" cy="0"/>
+        </a:xfrm>
+      </p:grpSpPr>
+      <p:pic>
+        <p:nvPicPr>
+          <p:cNvPr id="151" name=""/>
+          <p:cNvPicPr/>
+          <p:nvPr/>
+        </p:nvPicPr>
+        <p:blipFill>
+          <a:blip r:embed="rId2">
+            <a:extLst/>
+          </a:blip>
+          <a:stretch>
+            <a:fillRect/>
+          </a:stretch>
+        </p:blipFill>
+        <p:spPr>
+          <a:xfrm>
+            <a:off x="6680200" y="2806700"/>
+            <a:ext cx="5118100" cy="5702300"/>
+          </a:xfrm>
+          <a:prstGeom prst="rect">
+            <a:avLst/>
+          </a:prstGeom>
+        </p:spPr>
+      </p:pic>
+      <p:sp>
+        <p:nvSpPr>
+          <p:cNvPr id="152" name="Shape 152"/>
+          <p:cNvSpPr/>
+          <p:nvPr>
+            <p:ph type="title"/>
+          </p:nvPr>
+        </p:nvSpPr>
+        <p:spPr>
+          <a:prstGeom prst="rect">
+            <a:avLst/>
+          </a:prstGeom>
+        </p:spPr>
+        <p:txBody>
+          <a:bodyPr/>
+          <a:lstStyle/>
+          <a:p>
+            <a:pPr lvl="0">
+              <a:defRPr sz="1800">
+                <a:solidFill>
+                  <a:srgbClr val="000000"/>
+                </a:solidFill>
+              </a:defRPr>
+            </a:pPr>
+            <a:r>
+              <a:rPr sz="7200">
+                <a:solidFill>
+                  <a:srgbClr val="3E231A"/>
+                </a:solidFill>
+              </a:rPr>
+              <a:t>UI Design</a:t>
+            </a:r>
+          </a:p>
+        </p:txBody>
+      </p:sp>
+      <p:sp>
+        <p:nvSpPr>
+          <p:cNvPr id="153" name="Shape 153"/>
+          <p:cNvSpPr/>
+          <p:nvPr>
+            <p:ph type="body" idx="1"/>
+          </p:nvPr>
+        </p:nvSpPr>
+        <p:spPr>
+          <a:prstGeom prst="rect">
+            <a:avLst/>
+          </a:prstGeom>
+        </p:spPr>
+        <p:txBody>
+          <a:bodyPr/>
+          <a:lstStyle/>
+          <a:p>
+            <a:pPr lvl="0">
+              <a:buBlip>
+                <a:blip r:embed="rId3"/>
+              </a:buBlip>
+            </a:pPr>
+          </a:p>
+        </p:txBody>
+      </p:sp>
+    </p:spTree>
+  </p:cSld>
+  <p:clrMapOvr>
+    <a:masterClrMapping/>
+  </p:clrMapOvr>
+  <p:transition spd="med" advClick="1"/>
+</p:sld>
+</file>
+
 <file path=ppt/slides/slide2.xml><?xml version="1.0" encoding="utf-8"?>
 <p:sld xmlns:a="http://schemas.openxmlformats.org/drawingml/2006/main" xmlns:r="http://schemas.openxmlformats.org/officeDocument/2006/relationships" xmlns:p="http://schemas.openxmlformats.org/presentationml/2006/main" showMasterSp="1" showMasterPhAnim="1">
   <p:cSld>
@@ -5138,8 +5576,8 @@
         </p:blipFill>
         <p:spPr>
           <a:xfrm>
-            <a:off x="7339964" y="3000382"/>
-            <a:ext cx="3785872" cy="3752836"/>
+            <a:off x="7339965" y="3000382"/>
+            <a:ext cx="3785871" cy="3752836"/>
           </a:xfrm>
           <a:prstGeom prst="rect">
             <a:avLst/>
@@ -5185,7 +5623,7 @@
         <p:spPr>
           <a:xfrm>
             <a:off x="8084526" y="7010400"/>
-            <a:ext cx="1964533" cy="812801"/>
+            <a:ext cx="1964532" cy="812801"/>
           </a:xfrm>
           <a:prstGeom prst="rect">
             <a:avLst/>
@@ -5366,8 +5804,8 @@
         </p:nvSpPr>
         <p:spPr>
           <a:xfrm>
-            <a:off x="4504681" y="7538549"/>
-            <a:ext cx="3371182" cy="812801"/>
+            <a:off x="4504682" y="7538549"/>
+            <a:ext cx="3371181" cy="812801"/>
           </a:xfrm>
           <a:prstGeom prst="rect">
             <a:avLst/>
@@ -5482,8 +5920,8 @@
         </p:blipFill>
         <p:spPr>
           <a:xfrm>
-            <a:off x="2707042" y="2570650"/>
-            <a:ext cx="7912695" cy="5343434"/>
+            <a:off x="2707042" y="2570651"/>
+            <a:ext cx="7912695" cy="5343433"/>
           </a:xfrm>
           <a:prstGeom prst="rect">
             <a:avLst/>
@@ -5501,7 +5939,7 @@
         </p:nvSpPr>
         <p:spPr>
           <a:xfrm>
-            <a:off x="4776514" y="8033310"/>
+            <a:off x="4776514" y="8033311"/>
             <a:ext cx="3451772" cy="812801"/>
           </a:xfrm>
           <a:prstGeom prst="rect">
@@ -5985,7 +6423,7 @@
         <p:spPr>
           <a:xfrm>
             <a:off x="5034511" y="3143325"/>
-            <a:ext cx="1503794" cy="1270001"/>
+            <a:ext cx="1503795" cy="1270001"/>
           </a:xfrm>
           <a:prstGeom prst="rect">
             <a:avLst/>
@@ -6080,8 +6518,8 @@
         </p:nvSpPr>
         <p:spPr>
           <a:xfrm>
-            <a:off x="5867399" y="5365421"/>
-            <a:ext cx="1270001" cy="1270001"/>
+            <a:off x="5867400" y="5365421"/>
+            <a:ext cx="1270000" cy="1270001"/>
           </a:xfrm>
           <a:prstGeom prst="rect">
             <a:avLst/>
@@ -6177,7 +6615,7 @@
         <p:spPr>
           <a:xfrm>
             <a:off x="7137358" y="6612409"/>
-            <a:ext cx="1688130" cy="575603"/>
+            <a:ext cx="1688130" cy="575604"/>
           </a:xfrm>
           <a:prstGeom prst="line">
             <a:avLst/>
@@ -6208,8 +6646,8 @@
         </p:nvSpPr>
         <p:spPr>
           <a:xfrm flipH="1">
-            <a:off x="4239157" y="6629144"/>
-            <a:ext cx="1638286" cy="550896"/>
+            <a:off x="4239158" y="6629144"/>
+            <a:ext cx="1638285" cy="550896"/>
           </a:xfrm>
           <a:prstGeom prst="line">
             <a:avLst/>
@@ -6466,8 +6904,8 @@
         </p:nvSpPr>
         <p:spPr>
           <a:xfrm>
-            <a:off x="5729753" y="7446933"/>
-            <a:ext cx="1580556" cy="812801"/>
+            <a:off x="5729754" y="7446933"/>
+            <a:ext cx="1580555" cy="812801"/>
           </a:xfrm>
           <a:prstGeom prst="rect">
             <a:avLst/>
@@ -6640,7 +7078,7 @@
         </p:blipFill>
         <p:spPr>
           <a:xfrm>
-            <a:off x="5170012" y="4295361"/>
+            <a:off x="5170012" y="4295362"/>
             <a:ext cx="4648849" cy="1599411"/>
           </a:xfrm>
           <a:prstGeom prst="rect">
@@ -6665,7 +7103,7 @@
         <p:spPr>
           <a:xfrm rot="21525635">
             <a:off x="2780424" y="4051692"/>
-            <a:ext cx="2295428" cy="246565"/>
+            <a:ext cx="2295429" cy="246565"/>
           </a:xfrm>
           <a:prstGeom prst="rect">
             <a:avLst/>
@@ -6791,7 +7229,7 @@
         <p:spPr>
           <a:xfrm>
             <a:off x="7309333" y="4470400"/>
-            <a:ext cx="1687265" cy="812801"/>
+            <a:ext cx="1687266" cy="812801"/>
           </a:xfrm>
           <a:prstGeom prst="rect">
             <a:avLst/>
@@ -6845,7 +7283,7 @@
         </p:nvSpPr>
         <p:spPr>
           <a:xfrm>
-            <a:off x="10076265" y="5871201"/>
+            <a:off x="10076264" y="5871201"/>
             <a:ext cx="1735709" cy="812801"/>
           </a:xfrm>
           <a:prstGeom prst="rect">
@@ -6900,7 +7338,7 @@
         </p:nvSpPr>
         <p:spPr>
           <a:xfrm>
-            <a:off x="7521164" y="2116619"/>
+            <a:off x="7521164" y="2116620"/>
             <a:ext cx="1270001" cy="1270001"/>
           </a:xfrm>
           <a:prstGeom prst="rect">
@@ -6949,8 +7387,8 @@
         </p:nvSpPr>
         <p:spPr>
           <a:xfrm>
-            <a:off x="7520481" y="2345219"/>
-            <a:ext cx="1271366" cy="812801"/>
+            <a:off x="7520482" y="2345220"/>
+            <a:ext cx="1271365" cy="812801"/>
           </a:xfrm>
           <a:prstGeom prst="rect">
             <a:avLst/>
@@ -6996,8 +7434,8 @@
         </p:nvSpPr>
         <p:spPr>
           <a:xfrm>
-            <a:off x="8814259" y="2772623"/>
-            <a:ext cx="1677525" cy="1027496"/>
+            <a:off x="8814259" y="2772624"/>
+            <a:ext cx="1677525" cy="1027495"/>
           </a:xfrm>
           <a:prstGeom prst="line">
             <a:avLst/>
@@ -7060,7 +7498,7 @@
         </p:nvSpPr>
         <p:spPr>
           <a:xfrm flipH="1">
-            <a:off x="6458048" y="3420904"/>
+            <a:off x="6458048" y="3420903"/>
             <a:ext cx="1672865" cy="1967126"/>
           </a:xfrm>
           <a:prstGeom prst="line">
@@ -7092,8 +7530,8 @@
         </p:nvSpPr>
         <p:spPr>
           <a:xfrm flipH="1">
-            <a:off x="2218061" y="2410757"/>
-            <a:ext cx="5280235" cy="1033949"/>
+            <a:off x="2218060" y="2410757"/>
+            <a:ext cx="5280237" cy="1033948"/>
           </a:xfrm>
           <a:prstGeom prst="line">
             <a:avLst/>
